--- a/TestData/test-unprotected.pptx
+++ b/TestData/test-unprotected.pptx
@@ -2087,7 +2087,7 @@
           <a:p>
             <a:fld id="{F3A1B328-42AC-42A9-9AD9-7CAB65F20855}" type="datetimeFigureOut">
               <a:rPr lang="en-US" smtClean="0"/>
-              <a:t>2021-10-04</a:t>
+              <a:t>2022-01-26</a:t>
             </a:fld>
             <a:endParaRPr lang="en-US"/>
           </a:p>
@@ -2588,7 +2588,7 @@
           <a:p>
             <a:fld id="{50BDCC2C-44C1-4523-A9CE-3059CB48FF2C}" type="datetimeFigureOut">
               <a:rPr lang="en-US" smtClean="0"/>
-              <a:t>2021-10-04</a:t>
+              <a:t>2022-01-26</a:t>
             </a:fld>
             <a:endParaRPr lang="en-US" dirty="0"/>
           </a:p>
@@ -2648,6 +2648,119 @@
           </a:p>
         </p:txBody>
       </p:sp>
+      <p:grpSp>
+        <p:nvGrpSpPr>
+          <p:cNvPr id="7" name="Group 6">
+            <a:extLst>
+              <a:ext uri="{FF2B5EF4-FFF2-40B4-BE49-F238E27FC236}">
+                <a16:creationId xmlns:a16="http://schemas.microsoft.com/office/drawing/2014/main" id="{4FD30592-B36B-4649-B680-5366148D099C}"/>
+              </a:ext>
+            </a:extLst>
+          </p:cNvPr>
+          <p:cNvGrpSpPr/>
+          <p:nvPr userDrawn="1"/>
+        </p:nvGrpSpPr>
+        <p:grpSpPr>
+          <a:xfrm>
+            <a:off x="7107381" y="4984750"/>
+            <a:ext cx="1296786" cy="365125"/>
+            <a:chOff x="1088967" y="5536276"/>
+            <a:chExt cx="1296786" cy="365125"/>
+          </a:xfrm>
+        </p:grpSpPr>
+        <p:sp>
+          <p:nvSpPr>
+            <p:cNvPr id="8" name="Rectangle 7">
+              <a:extLst>
+                <a:ext uri="{FF2B5EF4-FFF2-40B4-BE49-F238E27FC236}">
+                  <a16:creationId xmlns:a16="http://schemas.microsoft.com/office/drawing/2014/main" id="{8EF2D226-B7D1-4B6F-94D6-BCF7C628D0AF}"/>
+                </a:ext>
+              </a:extLst>
+            </p:cNvPr>
+            <p:cNvSpPr/>
+            <p:nvPr userDrawn="1"/>
+          </p:nvSpPr>
+          <p:spPr>
+            <a:xfrm>
+              <a:off x="1088967" y="5536276"/>
+              <a:ext cx="507077" cy="199361"/>
+            </a:xfrm>
+            <a:prstGeom prst="rect">
+              <a:avLst/>
+            </a:prstGeom>
+          </p:spPr>
+          <p:style>
+            <a:lnRef idx="2">
+              <a:schemeClr val="accent2">
+                <a:shade val="50000"/>
+              </a:schemeClr>
+            </a:lnRef>
+            <a:fillRef idx="1">
+              <a:schemeClr val="accent2"/>
+            </a:fillRef>
+            <a:effectRef idx="0">
+              <a:schemeClr val="accent2"/>
+            </a:effectRef>
+            <a:fontRef idx="minor">
+              <a:schemeClr val="lt1"/>
+            </a:fontRef>
+          </p:style>
+          <p:txBody>
+            <a:bodyPr rtlCol="0" anchor="ctr"/>
+            <a:lstStyle/>
+            <a:p>
+              <a:pPr algn="ctr"/>
+              <a:endParaRPr lang="en-US"/>
+            </a:p>
+          </p:txBody>
+        </p:sp>
+        <p:sp>
+          <p:nvSpPr>
+            <p:cNvPr id="9" name="Oval 8">
+              <a:extLst>
+                <a:ext uri="{FF2B5EF4-FFF2-40B4-BE49-F238E27FC236}">
+                  <a16:creationId xmlns:a16="http://schemas.microsoft.com/office/drawing/2014/main" id="{EC118A44-7B17-4C5B-9BBB-C635A015312F}"/>
+                </a:ext>
+              </a:extLst>
+            </p:cNvPr>
+            <p:cNvSpPr/>
+            <p:nvPr userDrawn="1"/>
+          </p:nvSpPr>
+          <p:spPr>
+            <a:xfrm>
+              <a:off x="1878676" y="5536276"/>
+              <a:ext cx="507077" cy="365125"/>
+            </a:xfrm>
+            <a:prstGeom prst="ellipse">
+              <a:avLst/>
+            </a:prstGeom>
+          </p:spPr>
+          <p:style>
+            <a:lnRef idx="2">
+              <a:schemeClr val="accent1">
+                <a:shade val="50000"/>
+              </a:schemeClr>
+            </a:lnRef>
+            <a:fillRef idx="1">
+              <a:schemeClr val="accent1"/>
+            </a:fillRef>
+            <a:effectRef idx="0">
+              <a:schemeClr val="accent1"/>
+            </a:effectRef>
+            <a:fontRef idx="minor">
+              <a:schemeClr val="lt1"/>
+            </a:fontRef>
+          </p:style>
+          <p:txBody>
+            <a:bodyPr rtlCol="0" anchor="ctr"/>
+            <a:lstStyle/>
+            <a:p>
+              <a:pPr algn="ctr"/>
+              <a:endParaRPr lang="en-US"/>
+            </a:p>
+          </p:txBody>
+        </p:sp>
+      </p:grpSp>
     </p:spTree>
     <p:extLst>
       <p:ext uri="{BB962C8B-B14F-4D97-AF65-F5344CB8AC3E}">
@@ -2658,6 +2771,193 @@
   <p:clrMapOvr>
     <a:masterClrMapping/>
   </p:clrMapOvr>
+  <p:timing>
+    <p:tnLst>
+      <p:par>
+        <p:cTn id="1" dur="indefinite" restart="never" nodeType="tmRoot">
+          <p:childTnLst>
+            <p:seq concurrent="1" nextAc="seek">
+              <p:cTn id="2" dur="indefinite" nodeType="mainSeq">
+                <p:childTnLst>
+                  <p:par>
+                    <p:cTn id="3" fill="hold">
+                      <p:stCondLst>
+                        <p:cond delay="indefinite"/>
+                      </p:stCondLst>
+                      <p:childTnLst>
+                        <p:par>
+                          <p:cTn id="4" fill="hold">
+                            <p:stCondLst>
+                              <p:cond delay="0"/>
+                            </p:stCondLst>
+                            <p:childTnLst>
+                              <p:par>
+                                <p:cTn id="5" presetID="26" presetClass="emph" presetSubtype="0" fill="hold" nodeType="clickEffect">
+                                  <p:stCondLst>
+                                    <p:cond delay="0"/>
+                                  </p:stCondLst>
+                                  <p:childTnLst>
+                                    <p:animEffect transition="out" filter="fade">
+                                      <p:cBhvr>
+                                        <p:cTn id="6" dur="500" tmFilter="0, 0; .2, .5; .8, .5; 1, 0"/>
+                                        <p:tgtEl>
+                                          <p:spTgt spid="7"/>
+                                        </p:tgtEl>
+                                      </p:cBhvr>
+                                    </p:animEffect>
+                                    <p:animScale>
+                                      <p:cBhvr>
+                                        <p:cTn id="7" dur="250" autoRev="1" fill="hold"/>
+                                        <p:tgtEl>
+                                          <p:spTgt spid="7"/>
+                                        </p:tgtEl>
+                                      </p:cBhvr>
+                                      <p:by x="105000" y="105000"/>
+                                    </p:animScale>
+                                  </p:childTnLst>
+                                </p:cTn>
+                              </p:par>
+                            </p:childTnLst>
+                          </p:cTn>
+                        </p:par>
+                      </p:childTnLst>
+                    </p:cTn>
+                  </p:par>
+                </p:childTnLst>
+              </p:cTn>
+              <p:prevCondLst>
+                <p:cond evt="onPrev" delay="0">
+                  <p:tgtEl>
+                    <p:sldTgt/>
+                  </p:tgtEl>
+                </p:cond>
+              </p:prevCondLst>
+              <p:nextCondLst>
+                <p:cond evt="onNext" delay="0">
+                  <p:tgtEl>
+                    <p:sldTgt/>
+                  </p:tgtEl>
+                </p:cond>
+              </p:nextCondLst>
+            </p:seq>
+            <p:seq concurrent="1" nextAc="seek">
+              <p:cTn id="8" restart="whenNotActive" fill="hold" evtFilter="cancelBubble" nodeType="interactiveSeq">
+                <p:stCondLst>
+                  <p:cond evt="onClick" delay="0">
+                    <p:tgtEl>
+                      <p:spTgt spid="7"/>
+                    </p:tgtEl>
+                  </p:cond>
+                </p:stCondLst>
+                <p:endSync evt="end" delay="0">
+                  <p:rtn val="all"/>
+                </p:endSync>
+                <p:childTnLst>
+                  <p:par>
+                    <p:cTn id="9" fill="hold">
+                      <p:stCondLst>
+                        <p:cond delay="0"/>
+                      </p:stCondLst>
+                      <p:childTnLst>
+                        <p:par>
+                          <p:cTn id="10" fill="hold">
+                            <p:stCondLst>
+                              <p:cond delay="0"/>
+                            </p:stCondLst>
+                            <p:childTnLst>
+                              <p:par>
+                                <p:cTn id="11" presetID="1" presetClass="entr" presetSubtype="0" fill="hold" nodeType="clickEffect">
+                                  <p:stCondLst>
+                                    <p:cond delay="0"/>
+                                  </p:stCondLst>
+                                  <p:childTnLst>
+                                    <p:set>
+                                      <p:cBhvr>
+                                        <p:cTn id="12" dur="1" fill="hold">
+                                          <p:stCondLst>
+                                            <p:cond delay="0"/>
+                                          </p:stCondLst>
+                                        </p:cTn>
+                                        <p:tgtEl>
+                                          <p:spTgt spid="7"/>
+                                        </p:tgtEl>
+                                        <p:attrNameLst>
+                                          <p:attrName>style.visibility</p:attrName>
+                                        </p:attrNameLst>
+                                      </p:cBhvr>
+                                      <p:to>
+                                        <p:strVal val="visible"/>
+                                      </p:to>
+                                    </p:set>
+                                  </p:childTnLst>
+                                </p:cTn>
+                              </p:par>
+                            </p:childTnLst>
+                          </p:cTn>
+                        </p:par>
+                      </p:childTnLst>
+                    </p:cTn>
+                  </p:par>
+                  <p:par>
+                    <p:cTn id="13" fill="hold">
+                      <p:stCondLst>
+                        <p:cond delay="indefinite"/>
+                      </p:stCondLst>
+                      <p:childTnLst>
+                        <p:par>
+                          <p:cTn id="14" fill="hold">
+                            <p:stCondLst>
+                              <p:cond delay="0"/>
+                            </p:stCondLst>
+                            <p:childTnLst>
+                              <p:par>
+                                <p:cTn id="15" presetID="1" presetClass="entr" presetSubtype="0" fill="hold" nodeType="clickEffect">
+                                  <p:stCondLst>
+                                    <p:cond delay="0"/>
+                                  </p:stCondLst>
+                                  <p:childTnLst>
+                                    <p:set>
+                                      <p:cBhvr>
+                                        <p:cTn id="16" dur="1" fill="hold">
+                                          <p:stCondLst>
+                                            <p:cond delay="0"/>
+                                          </p:stCondLst>
+                                        </p:cTn>
+                                        <p:tgtEl>
+                                          <p:spTgt spid="7"/>
+                                        </p:tgtEl>
+                                        <p:attrNameLst>
+                                          <p:attrName>style.visibility</p:attrName>
+                                        </p:attrNameLst>
+                                      </p:cBhvr>
+                                      <p:to>
+                                        <p:strVal val="visible"/>
+                                      </p:to>
+                                    </p:set>
+                                  </p:childTnLst>
+                                </p:cTn>
+                              </p:par>
+                            </p:childTnLst>
+                          </p:cTn>
+                        </p:par>
+                      </p:childTnLst>
+                    </p:cTn>
+                  </p:par>
+                </p:childTnLst>
+              </p:cTn>
+              <p:nextCondLst>
+                <p:cond evt="onClick" delay="0">
+                  <p:tgtEl>
+                    <p:spTgt spid="7"/>
+                  </p:tgtEl>
+                </p:cond>
+              </p:nextCondLst>
+            </p:seq>
+          </p:childTnLst>
+        </p:cTn>
+      </p:par>
+    </p:tnLst>
+  </p:timing>
 </p:sldLayout>
 </file>
 
@@ -2786,7 +3086,7 @@
           <a:p>
             <a:fld id="{50BDCC2C-44C1-4523-A9CE-3059CB48FF2C}" type="datetimeFigureOut">
               <a:rPr lang="en-US" smtClean="0"/>
-              <a:t>2021-10-04</a:t>
+              <a:t>2022-01-26</a:t>
             </a:fld>
             <a:endParaRPr lang="en-US"/>
           </a:p>
@@ -2994,7 +3294,7 @@
           <a:p>
             <a:fld id="{50BDCC2C-44C1-4523-A9CE-3059CB48FF2C}" type="datetimeFigureOut">
               <a:rPr lang="en-US" smtClean="0"/>
-              <a:t>2021-10-04</a:t>
+              <a:t>2022-01-26</a:t>
             </a:fld>
             <a:endParaRPr lang="en-US"/>
           </a:p>
@@ -3192,7 +3492,7 @@
           <a:p>
             <a:fld id="{50BDCC2C-44C1-4523-A9CE-3059CB48FF2C}" type="datetimeFigureOut">
               <a:rPr lang="en-US" smtClean="0"/>
-              <a:t>2021-10-04</a:t>
+              <a:t>2022-01-26</a:t>
             </a:fld>
             <a:endParaRPr lang="en-US" dirty="0"/>
           </a:p>
@@ -3467,7 +3767,7 @@
           <a:p>
             <a:fld id="{50BDCC2C-44C1-4523-A9CE-3059CB48FF2C}" type="datetimeFigureOut">
               <a:rPr lang="en-US" smtClean="0"/>
-              <a:t>2021-10-04</a:t>
+              <a:t>2022-01-26</a:t>
             </a:fld>
             <a:endParaRPr lang="en-US"/>
           </a:p>
@@ -3732,7 +4032,7 @@
           <a:p>
             <a:fld id="{50BDCC2C-44C1-4523-A9CE-3059CB48FF2C}" type="datetimeFigureOut">
               <a:rPr lang="en-US" smtClean="0"/>
-              <a:t>2021-10-04</a:t>
+              <a:t>2022-01-26</a:t>
             </a:fld>
             <a:endParaRPr lang="en-US"/>
           </a:p>
@@ -4144,7 +4444,7 @@
           <a:p>
             <a:fld id="{50BDCC2C-44C1-4523-A9CE-3059CB48FF2C}" type="datetimeFigureOut">
               <a:rPr lang="en-US" smtClean="0"/>
-              <a:t>2021-10-04</a:t>
+              <a:t>2022-01-26</a:t>
             </a:fld>
             <a:endParaRPr lang="en-US"/>
           </a:p>
@@ -4285,7 +4585,7 @@
           <a:p>
             <a:fld id="{50BDCC2C-44C1-4523-A9CE-3059CB48FF2C}" type="datetimeFigureOut">
               <a:rPr lang="en-US" smtClean="0"/>
-              <a:t>2021-10-04</a:t>
+              <a:t>2022-01-26</a:t>
             </a:fld>
             <a:endParaRPr lang="en-US"/>
           </a:p>
@@ -4398,7 +4698,7 @@
           <a:p>
             <a:fld id="{50BDCC2C-44C1-4523-A9CE-3059CB48FF2C}" type="datetimeFigureOut">
               <a:rPr lang="en-US" smtClean="0"/>
-              <a:t>2021-10-04</a:t>
+              <a:t>2022-01-26</a:t>
             </a:fld>
             <a:endParaRPr lang="en-US"/>
           </a:p>
@@ -4709,7 +5009,7 @@
           <a:p>
             <a:fld id="{50BDCC2C-44C1-4523-A9CE-3059CB48FF2C}" type="datetimeFigureOut">
               <a:rPr lang="en-US" smtClean="0"/>
-              <a:t>2021-10-04</a:t>
+              <a:t>2022-01-26</a:t>
             </a:fld>
             <a:endParaRPr lang="en-US"/>
           </a:p>
@@ -4997,7 +5297,7 @@
           <a:p>
             <a:fld id="{50BDCC2C-44C1-4523-A9CE-3059CB48FF2C}" type="datetimeFigureOut">
               <a:rPr lang="en-US" smtClean="0"/>
-              <a:t>2021-10-04</a:t>
+              <a:t>2022-01-26</a:t>
             </a:fld>
             <a:endParaRPr lang="en-US"/>
           </a:p>
@@ -5238,7 +5538,7 @@
           <a:p>
             <a:fld id="{50BDCC2C-44C1-4523-A9CE-3059CB48FF2C}" type="datetimeFigureOut">
               <a:rPr lang="en-US" smtClean="0"/>
-              <a:t>2021-10-04</a:t>
+              <a:t>2022-01-26</a:t>
             </a:fld>
             <a:endParaRPr lang="en-US"/>
           </a:p>
@@ -6374,14 +6674,22 @@
           <a:p>
             <a:r>
               <a:rPr lang="en-US" dirty="0"/>
-              <a:t>Image</a:t>
+              <a:t>Image </a:t>
             </a:r>
+            <a:r>
+              <a:rPr lang="en-US" dirty="0">
+                <a:hlinkMouseOver r:id="" action="ppaction://hlinkshowjump?jump=lastslide"/>
+              </a:rPr>
+              <a:t>hyperlink</a:t>
+            </a:r>
+            <a:endParaRPr lang="en-US" dirty="0"/>
           </a:p>
         </p:txBody>
       </p:sp>
       <p:pic>
         <p:nvPicPr>
           <p:cNvPr id="5" name="Picture 4">
+            <a:hlinkClick r:id="rId2"/>
             <a:extLst>
               <a:ext uri="{FF2B5EF4-FFF2-40B4-BE49-F238E27FC236}">
                 <a16:creationId xmlns:a16="http://schemas.microsoft.com/office/drawing/2014/main" id="{0C93930E-6B5A-4190-8022-AFCCB354D20F}"/>
@@ -6394,7 +6702,7 @@
           <p:nvPr/>
         </p:nvPicPr>
         <p:blipFill>
-          <a:blip r:embed="rId2">
+          <a:blip r:embed="rId3">
             <a:extLst>
               <a:ext uri="{28A0092B-C50C-407E-A947-70E740481C1C}">
                 <a14:useLocalDpi xmlns:a14="http://schemas.microsoft.com/office/drawing/2010/main" val="0"/>
@@ -6415,6 +6723,201 @@
           </a:prstGeom>
         </p:spPr>
       </p:pic>
+      <mc:AlternateContent xmlns:mc="http://schemas.openxmlformats.org/markup-compatibility/2006" xmlns:a14="http://schemas.microsoft.com/office/drawing/2010/main">
+        <mc:Choice Requires="a14">
+          <p:sp>
+            <p:nvSpPr>
+              <p:cNvPr id="3" name="TextBox 2">
+                <a:extLst>
+                  <a:ext uri="{FF2B5EF4-FFF2-40B4-BE49-F238E27FC236}">
+                    <a16:creationId xmlns:a16="http://schemas.microsoft.com/office/drawing/2014/main" id="{60CCEEC4-ECF2-48F9-A33C-78C283E395E8}"/>
+                  </a:ext>
+                </a:extLst>
+              </p:cNvPr>
+              <p:cNvSpPr txBox="1"/>
+              <p:nvPr/>
+            </p:nvSpPr>
+            <p:spPr>
+              <a:xfrm>
+                <a:off x="8010845" y="4300665"/>
+                <a:ext cx="2079879" cy="587058"/>
+              </a:xfrm>
+              <a:prstGeom prst="rect">
+                <a:avLst/>
+              </a:prstGeom>
+              <a:noFill/>
+            </p:spPr>
+            <p:txBody>
+              <a:bodyPr wrap="none" lIns="0" tIns="0" rIns="0" bIns="0" rtlCol="0">
+                <a:spAutoFit/>
+              </a:bodyPr>
+              <a:lstStyle/>
+              <a:p>
+                <a:pPr/>
+                <a14:m>
+                  <m:oMathPara xmlns:m="http://schemas.openxmlformats.org/officeDocument/2006/math">
+                    <m:oMathParaPr>
+                      <m:jc m:val="centerGroup"/>
+                    </m:oMathParaPr>
+                    <m:oMath xmlns:m="http://schemas.openxmlformats.org/officeDocument/2006/math">
+                      <m:r>
+                        <a:rPr lang="en-US" i="1" smtClean="0">
+                          <a:latin typeface="Cambria Math" panose="02040503050406030204" pitchFamily="18" charset="0"/>
+                        </a:rPr>
+                        <m:t>𝑥</m:t>
+                      </m:r>
+                      <m:r>
+                        <a:rPr lang="en-US" i="1" smtClean="0">
+                          <a:latin typeface="Cambria Math" panose="02040503050406030204" pitchFamily="18" charset="0"/>
+                        </a:rPr>
+                        <m:t>=</m:t>
+                      </m:r>
+                      <m:f>
+                        <m:fPr>
+                          <m:ctrlPr>
+                            <a:rPr lang="en-US" i="1" smtClean="0">
+                              <a:latin typeface="Cambria Math" panose="02040503050406030204" pitchFamily="18" charset="0"/>
+                            </a:rPr>
+                          </m:ctrlPr>
+                        </m:fPr>
+                        <m:num>
+                          <m:r>
+                            <a:rPr lang="en-US" i="1" smtClean="0">
+                              <a:latin typeface="Cambria Math" panose="02040503050406030204" pitchFamily="18" charset="0"/>
+                            </a:rPr>
+                            <m:t>−</m:t>
+                          </m:r>
+                          <m:r>
+                            <a:rPr lang="en-US" i="1" smtClean="0">
+                              <a:latin typeface="Cambria Math" panose="02040503050406030204" pitchFamily="18" charset="0"/>
+                            </a:rPr>
+                            <m:t>𝑏</m:t>
+                          </m:r>
+                          <m:r>
+                            <a:rPr lang="en-US" i="1" smtClean="0">
+                              <a:latin typeface="Cambria Math" panose="02040503050406030204" pitchFamily="18" charset="0"/>
+                            </a:rPr>
+                            <m:t>±</m:t>
+                          </m:r>
+                          <m:rad>
+                            <m:radPr>
+                              <m:degHide m:val="on"/>
+                              <m:ctrlPr>
+                                <a:rPr lang="en-US" i="1" smtClean="0">
+                                  <a:latin typeface="Cambria Math" panose="02040503050406030204" pitchFamily="18" charset="0"/>
+                                </a:rPr>
+                              </m:ctrlPr>
+                            </m:radPr>
+                            <m:deg/>
+                            <m:e>
+                              <m:sSup>
+                                <m:sSupPr>
+                                  <m:ctrlPr>
+                                    <a:rPr lang="en-US" i="1" smtClean="0">
+                                      <a:latin typeface="Cambria Math" panose="02040503050406030204" pitchFamily="18" charset="0"/>
+                                    </a:rPr>
+                                  </m:ctrlPr>
+                                </m:sSupPr>
+                                <m:e>
+                                  <m:r>
+                                    <a:rPr lang="en-US" i="1" smtClean="0">
+                                      <a:latin typeface="Cambria Math" panose="02040503050406030204" pitchFamily="18" charset="0"/>
+                                    </a:rPr>
+                                    <m:t>𝑏</m:t>
+                                  </m:r>
+                                </m:e>
+                                <m:sup>
+                                  <m:r>
+                                    <a:rPr lang="en-US" i="1" smtClean="0">
+                                      <a:latin typeface="Cambria Math" panose="02040503050406030204" pitchFamily="18" charset="0"/>
+                                    </a:rPr>
+                                    <m:t>2</m:t>
+                                  </m:r>
+                                </m:sup>
+                              </m:sSup>
+                              <m:r>
+                                <a:rPr lang="en-US" i="1" smtClean="0">
+                                  <a:latin typeface="Cambria Math" panose="02040503050406030204" pitchFamily="18" charset="0"/>
+                                </a:rPr>
+                                <m:t>−4</m:t>
+                              </m:r>
+                              <m:r>
+                                <a:rPr lang="en-US" i="1" smtClean="0">
+                                  <a:latin typeface="Cambria Math" panose="02040503050406030204" pitchFamily="18" charset="0"/>
+                                </a:rPr>
+                                <m:t>𝑎𝑐</m:t>
+                              </m:r>
+                            </m:e>
+                          </m:rad>
+                        </m:num>
+                        <m:den>
+                          <m:r>
+                            <a:rPr lang="en-US" i="1" smtClean="0">
+                              <a:latin typeface="Cambria Math" panose="02040503050406030204" pitchFamily="18" charset="0"/>
+                            </a:rPr>
+                            <m:t>2</m:t>
+                          </m:r>
+                          <m:r>
+                            <a:rPr lang="en-US" i="1" smtClean="0">
+                              <a:latin typeface="Cambria Math" panose="02040503050406030204" pitchFamily="18" charset="0"/>
+                            </a:rPr>
+                            <m:t>𝑎</m:t>
+                          </m:r>
+                        </m:den>
+                      </m:f>
+                    </m:oMath>
+                  </m:oMathPara>
+                </a14:m>
+                <a:endParaRPr lang="en-US" dirty="0"/>
+              </a:p>
+            </p:txBody>
+          </p:sp>
+        </mc:Choice>
+        <mc:Fallback xmlns="">
+          <p:sp>
+            <p:nvSpPr>
+              <p:cNvPr id="3" name="TextBox 2">
+                <a:extLst>
+                  <a:ext uri="{FF2B5EF4-FFF2-40B4-BE49-F238E27FC236}">
+                    <a16:creationId xmlns:a16="http://schemas.microsoft.com/office/drawing/2014/main" id="{60CCEEC4-ECF2-48F9-A33C-78C283E395E8}"/>
+                  </a:ext>
+                </a:extLst>
+              </p:cNvPr>
+              <p:cNvSpPr txBox="1">
+                <a:spLocks noRot="1" noChangeAspect="1" noMove="1" noResize="1" noEditPoints="1" noAdjustHandles="1" noChangeArrowheads="1" noChangeShapeType="1" noTextEdit="1"/>
+              </p:cNvSpPr>
+              <p:nvPr/>
+            </p:nvSpPr>
+            <p:spPr>
+              <a:xfrm>
+                <a:off x="8010845" y="4300665"/>
+                <a:ext cx="2079879" cy="587058"/>
+              </a:xfrm>
+              <a:prstGeom prst="rect">
+                <a:avLst/>
+              </a:prstGeom>
+              <a:blipFill>
+                <a:blip r:embed="rId4"/>
+                <a:stretch>
+                  <a:fillRect/>
+                </a:stretch>
+              </a:blipFill>
+            </p:spPr>
+            <p:txBody>
+              <a:bodyPr/>
+              <a:lstStyle/>
+              <a:p>
+                <a:r>
+                  <a:rPr lang="en-US">
+                    <a:noFill/>
+                  </a:rPr>
+                  <a:t> </a:t>
+                </a:r>
+              </a:p>
+            </p:txBody>
+          </p:sp>
+        </mc:Fallback>
+      </mc:AlternateContent>
     </p:spTree>
     <p:extLst>
       <p:ext uri="{BB962C8B-B14F-4D97-AF65-F5344CB8AC3E}">
@@ -6563,6 +7066,52 @@
               <a:rPr lang="en-US" dirty="0"/>
               <a:t>text</a:t>
             </a:r>
+          </a:p>
+        </p:txBody>
+      </p:sp>
+      <p:sp>
+        <p:nvSpPr>
+          <p:cNvPr id="3" name="Cross 2">
+            <a:extLst>
+              <a:ext uri="{FF2B5EF4-FFF2-40B4-BE49-F238E27FC236}">
+                <a16:creationId xmlns:a16="http://schemas.microsoft.com/office/drawing/2014/main" id="{6FDB064D-59FA-4150-9843-A6A128173347}"/>
+              </a:ext>
+            </a:extLst>
+          </p:cNvPr>
+          <p:cNvSpPr/>
+          <p:nvPr/>
+        </p:nvSpPr>
+        <p:spPr>
+          <a:xfrm>
+            <a:off x="6464808" y="1709928"/>
+            <a:ext cx="2523744" cy="2532888"/>
+          </a:xfrm>
+          <a:prstGeom prst="plus">
+            <a:avLst/>
+          </a:prstGeom>
+        </p:spPr>
+        <p:style>
+          <a:lnRef idx="2">
+            <a:schemeClr val="accent1">
+              <a:shade val="50000"/>
+            </a:schemeClr>
+          </a:lnRef>
+          <a:fillRef idx="1">
+            <a:schemeClr val="accent1"/>
+          </a:fillRef>
+          <a:effectRef idx="0">
+            <a:schemeClr val="accent1"/>
+          </a:effectRef>
+          <a:fontRef idx="minor">
+            <a:schemeClr val="lt1"/>
+          </a:fontRef>
+        </p:style>
+        <p:txBody>
+          <a:bodyPr rtlCol="0" anchor="ctr"/>
+          <a:lstStyle/>
+          <a:p>
+            <a:pPr algn="ctr"/>
+            <a:endParaRPr lang="en-US"/>
           </a:p>
         </p:txBody>
       </p:sp>
